--- a/projreport/ppt.pptx
+++ b/projreport/ppt.pptx
@@ -6,8 +6,14 @@
   </p:sldMasterIdLst>
   <p:sldIdLst>
     <p:sldId id="256" r:id="rId2"/>
-    <p:sldId id="258" r:id="rId3"/>
-    <p:sldId id="257" r:id="rId4"/>
+    <p:sldId id="259" r:id="rId3"/>
+    <p:sldId id="260" r:id="rId4"/>
+    <p:sldId id="261" r:id="rId5"/>
+    <p:sldId id="258" r:id="rId6"/>
+    <p:sldId id="262" r:id="rId7"/>
+    <p:sldId id="263" r:id="rId8"/>
+    <p:sldId id="264" r:id="rId9"/>
+    <p:sldId id="257" r:id="rId10"/>
   </p:sldIdLst>
   <p:sldSz cx="12192000" cy="6858000"/>
   <p:notesSz cx="6858000" cy="9144000"/>
@@ -125,6 +131,202 @@
 </p:presentation>
 </file>
 
+<file path=ppt/ink/ink1.xml><?xml version="1.0" encoding="utf-8"?>
+<inkml:ink xmlns:inkml="http://www.w3.org/2003/InkML">
+  <inkml:definitions>
+    <inkml:context xml:id="ctx0">
+      <inkml:inkSource xml:id="inkSrc0">
+        <inkml:traceFormat>
+          <inkml:channel name="X" type="integer" min="-2.14748E9" max="2.14748E9" units="cm"/>
+          <inkml:channel name="Y" type="integer" min="-2.14748E9" max="2.14748E9" units="cm"/>
+          <inkml:channel name="F" type="integer" max="32767" units="dev"/>
+        </inkml:traceFormat>
+        <inkml:channelProperties>
+          <inkml:channelProperty channel="X" name="resolution" value="1000" units="1/cm"/>
+          <inkml:channelProperty channel="Y" name="resolution" value="1000" units="1/cm"/>
+          <inkml:channelProperty channel="F" name="resolution" value="0" units="1/dev"/>
+        </inkml:channelProperties>
+      </inkml:inkSource>
+      <inkml:timestamp xml:id="ts0" timeString="2023-12-29T17:29:59.156"/>
+    </inkml:context>
+    <inkml:brush xml:id="br0">
+      <inkml:brushProperty name="width" value="0.035" units="cm"/>
+      <inkml:brushProperty name="height" value="0.035" units="cm"/>
+      <inkml:brushProperty name="color" value="#E71224"/>
+    </inkml:brush>
+  </inkml:definitions>
+  <inkml:trace contextRef="#ctx0" brushRef="#br0">0 1 24575,'37'13'0,"-26"-8"0,5 2 0,2 0 0,-1-1 0,1-1 0,18 3 0,40 8 0,-54-11 0,1 0 0,-1-2 0,38 2 0,-13-3 0,60 8 0,-44-4 0,97-6 0,-68-2 0,42-8 0,-55 3 0,-15 2 0,167-7 0,-143 14 0,129-4 0,-140-6 0,-40 3 0,42 0 0,64-3 0,1 0 0,-93 8-1365,-37 0-5461</inkml:trace>
+</inkml:ink>
+</file>
+
+<file path=ppt/ink/ink2.xml><?xml version="1.0" encoding="utf-8"?>
+<inkml:ink xmlns:inkml="http://www.w3.org/2003/InkML">
+  <inkml:definitions>
+    <inkml:context xml:id="ctx0">
+      <inkml:inkSource xml:id="inkSrc0">
+        <inkml:traceFormat>
+          <inkml:channel name="X" type="integer" min="-2.14748E9" max="2.14748E9" units="cm"/>
+          <inkml:channel name="Y" type="integer" min="-2.14748E9" max="2.14748E9" units="cm"/>
+          <inkml:channel name="F" type="integer" max="32767" units="dev"/>
+        </inkml:traceFormat>
+        <inkml:channelProperties>
+          <inkml:channelProperty channel="X" name="resolution" value="1000" units="1/cm"/>
+          <inkml:channelProperty channel="Y" name="resolution" value="1000" units="1/cm"/>
+          <inkml:channelProperty channel="F" name="resolution" value="0" units="1/dev"/>
+        </inkml:channelProperties>
+      </inkml:inkSource>
+      <inkml:timestamp xml:id="ts0" timeString="2023-12-29T17:30:00.473"/>
+    </inkml:context>
+    <inkml:brush xml:id="br0">
+      <inkml:brushProperty name="width" value="0.035" units="cm"/>
+      <inkml:brushProperty name="height" value="0.035" units="cm"/>
+      <inkml:brushProperty name="color" value="#E71224"/>
+    </inkml:brush>
+  </inkml:definitions>
+  <inkml:trace contextRef="#ctx0" brushRef="#br0">0 0 24575,'50'16'0,"-20"-10"0,-1-1 0,1-1 0,49 0 0,187 13 2,-90-1-678,160 5 676,175 9 0,-377-23 6,167 3 76,-281-9-341,0 0-1,32 7 0,-36-5-6566</inkml:trace>
+</inkml:ink>
+</file>
+
+<file path=ppt/ink/ink3.xml><?xml version="1.0" encoding="utf-8"?>
+<inkml:ink xmlns:inkml="http://www.w3.org/2003/InkML">
+  <inkml:definitions>
+    <inkml:context xml:id="ctx0">
+      <inkml:inkSource xml:id="inkSrc0">
+        <inkml:traceFormat>
+          <inkml:channel name="X" type="integer" min="-2.14748E9" max="2.14748E9" units="cm"/>
+          <inkml:channel name="Y" type="integer" min="-2.14748E9" max="2.14748E9" units="cm"/>
+          <inkml:channel name="F" type="integer" max="32767" units="dev"/>
+        </inkml:traceFormat>
+        <inkml:channelProperties>
+          <inkml:channelProperty channel="X" name="resolution" value="1000" units="1/cm"/>
+          <inkml:channelProperty channel="Y" name="resolution" value="1000" units="1/cm"/>
+          <inkml:channelProperty channel="F" name="resolution" value="0" units="1/dev"/>
+        </inkml:channelProperties>
+      </inkml:inkSource>
+      <inkml:timestamp xml:id="ts0" timeString="2023-12-29T17:30:01.882"/>
+    </inkml:context>
+    <inkml:brush xml:id="br0">
+      <inkml:brushProperty name="width" value="0.035" units="cm"/>
+      <inkml:brushProperty name="height" value="0.035" units="cm"/>
+      <inkml:brushProperty name="color" value="#E71224"/>
+    </inkml:brush>
+  </inkml:definitions>
+  <inkml:trace contextRef="#ctx0" brushRef="#br0">0 103 24575,'106'1'0,"115"-3"0,-49-23 0,-118 15 0,88-6 0,-26 8 0,26-1 0,84-8 0,7 0 0,50 18-1365,-269-1-5461</inkml:trace>
+</inkml:ink>
+</file>
+
+<file path=ppt/ink/ink4.xml><?xml version="1.0" encoding="utf-8"?>
+<inkml:ink xmlns:inkml="http://www.w3.org/2003/InkML">
+  <inkml:definitions>
+    <inkml:context xml:id="ctx0">
+      <inkml:inkSource xml:id="inkSrc0">
+        <inkml:traceFormat>
+          <inkml:channel name="X" type="integer" min="-2.14748E9" max="2.14748E9" units="cm"/>
+          <inkml:channel name="Y" type="integer" min="-2.14748E9" max="2.14748E9" units="cm"/>
+          <inkml:channel name="F" type="integer" max="32767" units="dev"/>
+        </inkml:traceFormat>
+        <inkml:channelProperties>
+          <inkml:channelProperty channel="X" name="resolution" value="1000" units="1/cm"/>
+          <inkml:channelProperty channel="Y" name="resolution" value="1000" units="1/cm"/>
+          <inkml:channelProperty channel="F" name="resolution" value="0" units="1/dev"/>
+        </inkml:channelProperties>
+      </inkml:inkSource>
+      <inkml:timestamp xml:id="ts0" timeString="2023-12-29T17:30:17.187"/>
+    </inkml:context>
+    <inkml:brush xml:id="br0">
+      <inkml:brushProperty name="width" value="0.035" units="cm"/>
+      <inkml:brushProperty name="height" value="0.035" units="cm"/>
+      <inkml:brushProperty name="color" value="#E71224"/>
+    </inkml:brush>
+  </inkml:definitions>
+  <inkml:trace contextRef="#ctx0" brushRef="#br0">192 1040 24575,'10'1'0,"0"0"0,-1 1 0,1 1 0,-1 0 0,1 0 0,-1 0 0,0 1 0,12 8 0,-8-5 0,1-1 0,21 7 0,255 54 0,-245-58 0,-5-2 0,63 2 0,-69-8 0,0 2 0,66 14 0,-71-11 0,1 0 0,53 2 0,-55-6 0,44 7 0,-45-4 0,43 1 0,807-6 0,-396-1 0,-453-1 0,-1-2 0,1 0 0,-1-2 0,-1-1 0,45-18 0,15-3 0,-47 18 0,-25 8 0,0-2 0,-1 0 0,1-1 0,19-9 0,-20 8 0,0 0 0,1 1 0,-1 0 0,1 1 0,0 1 0,0 0 0,18-1 0,-24 3 0,0-1 0,1-1 0,-1 0 0,12-5 0,27-9 0,32 6 0,-54 9 0,0-1 0,43-13 0,210-56 0,-238 63 0,-9 2 0,1 0 0,-1-2 0,36-16 0,-53 17 0,-1 0 0,0-1 0,-1 0 0,22-21 0,2-1 0,-9 6 0,-1-2 0,0-1 0,33-47 0,-58 74 0,0 0 0,0-1 0,0 1 0,0 0 0,0 0 0,0 0 0,0-1 0,-1 1 0,1 0 0,0-1 0,-1 1 0,1-1 0,-1 1 0,1 0 0,-1-1 0,0 1 0,0-1 0,0 1 0,0-1 0,0 1 0,0-1 0,0 0 0,0 1 0,0 0 0,-1-1 0,1 1 0,-1-1 0,1 1 0,-1-1 0,0 1 0,1 0 0,-1-1 0,0 1 0,-1-1 0,-3-2 0,0 0 0,0 1 0,0-1 0,-1 1 0,1 0 0,-1 1 0,-6-3 0,11 5 0,-8-5 0,-1 0 0,0-1 0,1-1 0,0 1 0,1-1 0,-11-11 0,8 7 0,0 1 0,-20-13 0,-182-96 0,34 48 0,169 68 0,-1-1 0,1 1 0,-1 1 0,-11-2 0,11 3 0,1-1 0,0 0 0,0-1 0,0 0 0,-9-4 0,3-1 0,-1 0 0,0 1 0,0 1 0,0 1 0,-25-5 0,32 8 0,1 0 0,0-1 0,0-1 0,-14-6 0,-25-9 0,-32-10 0,64 22 0,-1 1 0,0 0 0,0 1 0,0 1 0,-30-4 0,-57-4 0,39 3 0,1-1 0,36 5 0,-53-2 0,-68 9 0,-121-4 0,197-8 0,47 6 0,-45-3 0,49 7 0,1-1 0,0-1 0,-30-7 0,27 5 0,0 1 0,0 1 0,-36 1 0,32 2 0,0-2 0,-33-5 0,-16-4 0,0 4 0,-130 7 0,77 1 0,-477-2 0,575 2 0,0 1 0,1 2 0,-35 9 0,-26 5 0,88-18 0,0 0 0,0 0 0,0 0 0,0 1 0,0-1 0,0 1 0,0 0 0,0 0 0,1 1 0,-1-1 0,1 1 0,0-1 0,0 1 0,0 0 0,0 1 0,0-1 0,0 0 0,-2 5 0,-3 7 0,0 1 0,1 0 0,-7 22 0,8-21 0,-1-1 0,-9 18 0,-23 20 0,28-39 0,0 0 0,-12 22 0,-20 42 0,-100 136 0,134-201 0,1-1 0,0 1 0,1 1 0,0-1 0,1 1 0,-5 22 0,4-7 0,0 1 0,-2 40 0,7 117 53,3-101-1471,-1-69-5408</inkml:trace>
+</inkml:ink>
+</file>
+
+<file path=ppt/ink/ink5.xml><?xml version="1.0" encoding="utf-8"?>
+<inkml:ink xmlns:inkml="http://www.w3.org/2003/InkML">
+  <inkml:definitions>
+    <inkml:context xml:id="ctx0">
+      <inkml:inkSource xml:id="inkSrc0">
+        <inkml:traceFormat>
+          <inkml:channel name="X" type="integer" min="-2.14748E9" max="2.14748E9" units="cm"/>
+          <inkml:channel name="Y" type="integer" min="-2.14748E9" max="2.14748E9" units="cm"/>
+          <inkml:channel name="F" type="integer" max="32767" units="dev"/>
+        </inkml:traceFormat>
+        <inkml:channelProperties>
+          <inkml:channelProperty channel="X" name="resolution" value="1000" units="1/cm"/>
+          <inkml:channelProperty channel="Y" name="resolution" value="1000" units="1/cm"/>
+          <inkml:channelProperty channel="F" name="resolution" value="0" units="1/dev"/>
+        </inkml:channelProperties>
+      </inkml:inkSource>
+      <inkml:timestamp xml:id="ts0" timeString="2023-12-29T17:30:24.219"/>
+    </inkml:context>
+    <inkml:brush xml:id="br0">
+      <inkml:brushProperty name="width" value="0.035" units="cm"/>
+      <inkml:brushProperty name="height" value="0.035" units="cm"/>
+      <inkml:brushProperty name="color" value="#E71224"/>
+    </inkml:brush>
+  </inkml:definitions>
+  <inkml:trace contextRef="#ctx0" brushRef="#br0">189 89 24575,'2'179'0,"-5"196"0,-6-256 0,-3 55 0,11-71 0,4 191 0,2-242 0,20 84 0,-10-63 0,-10-48 0,14 63 0,-17-79 0,1 1 0,1-1 0,-1-1 0,2 1 0,-1 0 0,12 15 0,-13-21 0,1 1 0,0-1 0,0 1 0,0-1 0,1-1 0,-1 1 0,1 0 0,-1-1 0,1 0 0,0 0 0,0-1 0,0 1 0,0-1 0,8 1 0,9 0 0,0 0 0,23-2 0,-32 0 0,9 0-26,420-21-474,173-73 394,-281 59 106,-281 27 203,1-2-1,101-34 0,-121 33-177,125-51-25,-40 13 0,-74 30 0,-34 14 0,-1 0 0,1 0 0,1 1 0,-1 1 0,1 0 0,19-2 0,136 4 0,-76 3 0,-61 0 0,1 2 0,-1 0 0,0 3 0,0 0 0,0 2 0,39 18 0,-27-10 0,-17-5 0,1-2 0,1 0 0,41 8 0,-15-9 0,-1-3 0,78 0 0,-46-8 0,129 4 0,-196 2 0,0 0 0,0 0 0,0 2 0,-1 0 0,0 1 0,0 0 0,-1 2 0,18 12 0,14 5 0,-26-13 0,35 27 0,-43-29 0,0-1 0,1 0 0,0-1 0,1-1 0,0 0 0,16 5 0,-11-7 0,-1-2 0,1 0 0,0-1 0,25 1 0,84-6 0,-45 0 0,-64 1 0,-1-1 0,-1-1 0,1-1 0,34-11 0,10-2 0,-52 13 0,0 0 0,0 0 0,0-1 0,17-10 0,-20 11 0,0-1 0,0 1 0,0 0 0,1 1 0,0-1 0,0 2 0,0-1 0,0 2 0,9-2 0,1 1 0,-1 0 0,0-1 0,0-1 0,-1 0 0,1-1 0,-1-2 0,0 1 0,25-15 0,-13 1 0,0-1 0,-1-2 0,34-35 0,48-36 0,-51 27 0,-22 22 0,-23 29 0,-2-1 0,0-1 0,-1 1 0,15-35 0,25-81 0,-46 109 0,0 1 0,-2-1 0,0 0 0,-2 0 0,-1 0 0,-2-27 0,0-9 0,2 55 0,1 1 0,-1 0 0,0 0 0,-1-1 0,1 1 0,-1 0 0,0 0 0,0 0 0,0 0 0,-1 0 0,1 0 0,-1 0 0,0 0 0,0 0 0,0 1 0,0-1 0,-1 1 0,0 0 0,0-1 0,1 1 0,-2 1 0,1-1 0,0 0 0,-1 1 0,1-1 0,-1 1 0,0 0 0,1 0 0,-7-1 0,-13-6 0,0-1 0,-32-18 0,37 18 0,0 0 0,-1 2 0,0 0 0,-36-10 0,34 15 0,0-1 0,0-2 0,1 0 0,0-1 0,0-1 0,0-1 0,1 0 0,-24-17 0,27 16 0,0 0 0,0 2 0,-2 0 0,1 1 0,-1 0 0,1 2 0,-28-5 0,23 5 0,0-1 0,0-1 0,1-1 0,-30-15 0,30 12 0,-39-14 0,-14-8 0,40 15 0,-1 2 0,-60-21 0,-30-9 0,-23-7 0,-22 8 0,127 29 0,-23-6 0,35 14 0,-40-15 0,4 0 0,48 19 0,-1 0 0,-28-1 0,-22-5 0,-11 0 0,57 9 0,-40-9 0,34 5 0,-1 1 0,0 2 0,1 1 0,-34 3 0,0 0 0,36 0 0,0 1 0,0 1 0,-32 9 0,30-6 0,-1-1 0,-38 2 0,-111 13 0,122-12 0,-104 4 0,77-15 0,-125 3 0,189 3 0,1 0 0,-1 1 0,1 1 0,-23 10 0,17-6 0,-34 8 0,23-9 0,-5 1 0,-1-1 0,-1-2 0,-66 2 0,-6-12 0,-150 5 0,142 19 0,89-13 0,-1-2 0,-44 2 0,51-6 0,-34 6 0,35-3 0,-42 1 0,41-6 0,-34 1 0,0-2 0,-77-13 0,103 10 0,0 1 0,-61 3 0,-28-2 0,111 0 0,-1-1 0,0-1 0,-24-9 0,-21-5 0,30 11-46,-43-7-1273,56 12-5507</inkml:trace>
+</inkml:ink>
+</file>
+
+<file path=ppt/ink/ink6.xml><?xml version="1.0" encoding="utf-8"?>
+<inkml:ink xmlns:inkml="http://www.w3.org/2003/InkML">
+  <inkml:definitions>
+    <inkml:context xml:id="ctx0">
+      <inkml:inkSource xml:id="inkSrc0">
+        <inkml:traceFormat>
+          <inkml:channel name="X" type="integer" min="-2.14748E9" max="2.14748E9" units="cm"/>
+          <inkml:channel name="Y" type="integer" min="-2.14748E9" max="2.14748E9" units="cm"/>
+          <inkml:channel name="F" type="integer" max="32767" units="dev"/>
+        </inkml:traceFormat>
+        <inkml:channelProperties>
+          <inkml:channelProperty channel="X" name="resolution" value="1000" units="1/cm"/>
+          <inkml:channelProperty channel="Y" name="resolution" value="1000" units="1/cm"/>
+          <inkml:channelProperty channel="F" name="resolution" value="0" units="1/dev"/>
+        </inkml:channelProperties>
+      </inkml:inkSource>
+      <inkml:timestamp xml:id="ts0" timeString="2023-12-29T17:30:52.145"/>
+    </inkml:context>
+    <inkml:brush xml:id="br0">
+      <inkml:brushProperty name="width" value="0.035" units="cm"/>
+      <inkml:brushProperty name="height" value="0.035" units="cm"/>
+      <inkml:brushProperty name="color" value="#E71224"/>
+    </inkml:brush>
+  </inkml:definitions>
+  <inkml:trace contextRef="#ctx0" brushRef="#br0">0 111 24575,'5'0'0,"-1"-1"0,0 1 0,0-1 0,1-1 0,-1 1 0,5-3 0,15-4 0,40 0-13,0 3-1,118 5 1,-83 2-470,802-2 1006,-862-2-523,58-10 0,-56 6 0,55-2 0,-12 9 0,-45 1 0,-1-2 0,1-1 0,60-11 0,-36 3 0,0 2 0,0 3 0,95 6 0,-44 0 0,-17 0 0,109-5 0,-140-10 0,-49 9 0,0 0 0,21-1 0,237 3 64,-142 4-1493,-109-2-5397</inkml:trace>
+</inkml:ink>
+</file>
+
+<file path=ppt/ink/ink7.xml><?xml version="1.0" encoding="utf-8"?>
+<inkml:ink xmlns:inkml="http://www.w3.org/2003/InkML">
+  <inkml:definitions>
+    <inkml:context xml:id="ctx0">
+      <inkml:inkSource xml:id="inkSrc0">
+        <inkml:traceFormat>
+          <inkml:channel name="X" type="integer" min="-2.14748E9" max="2.14748E9" units="cm"/>
+          <inkml:channel name="Y" type="integer" min="-2.14748E9" max="2.14748E9" units="cm"/>
+          <inkml:channel name="F" type="integer" max="32767" units="dev"/>
+        </inkml:traceFormat>
+        <inkml:channelProperties>
+          <inkml:channelProperty channel="X" name="resolution" value="1000" units="1/cm"/>
+          <inkml:channelProperty channel="Y" name="resolution" value="1000" units="1/cm"/>
+          <inkml:channelProperty channel="F" name="resolution" value="0" units="1/dev"/>
+        </inkml:channelProperties>
+      </inkml:inkSource>
+      <inkml:timestamp xml:id="ts0" timeString="2023-12-29T17:30:53.629"/>
+    </inkml:context>
+    <inkml:brush xml:id="br0">
+      <inkml:brushProperty name="width" value="0.035" units="cm"/>
+      <inkml:brushProperty name="height" value="0.035" units="cm"/>
+      <inkml:brushProperty name="color" value="#E71224"/>
+    </inkml:brush>
+  </inkml:definitions>
+  <inkml:trace contextRef="#ctx0" brushRef="#br0">0 138 24575,'35'0'0,"0"-1"0,0-2 0,67-14 0,-45 4 0,1 3 0,100-4 0,122 15 0,-111 2 0,242-3 0,-384-2 0,0 0 0,32-8 0,-29 4 0,45-2 0,-24 7 0,89-14 0,-63 0 0,0 4 0,125-3 0,42 15-1365,-220-1-5461</inkml:trace>
+</inkml:ink>
+</file>
+
 <file path=ppt/slideLayouts/slideLayout1.xml><?xml version="1.0" encoding="utf-8"?>
 <p:sldLayout xmlns:a="http://schemas.openxmlformats.org/drawingml/2006/main" xmlns:r="http://schemas.openxmlformats.org/officeDocument/2006/relationships" xmlns:p="http://schemas.openxmlformats.org/presentationml/2006/main" type="title" preserve="1">
   <p:cSld name="标题幻灯片">
@@ -272,7 +474,7 @@
           <a:p>
             <a:fld id="{0A981E15-196A-4E96-A74A-B0A63E132823}" type="datetimeFigureOut">
               <a:rPr lang="zh-CN" altLang="en-US" smtClean="0"/>
-              <a:t>2023/12/28</a:t>
+              <a:t>2023/12/30</a:t>
             </a:fld>
             <a:endParaRPr lang="zh-CN" altLang="en-US"/>
           </a:p>
@@ -470,7 +672,7 @@
           <a:p>
             <a:fld id="{0A981E15-196A-4E96-A74A-B0A63E132823}" type="datetimeFigureOut">
               <a:rPr lang="zh-CN" altLang="en-US" smtClean="0"/>
-              <a:t>2023/12/28</a:t>
+              <a:t>2023/12/30</a:t>
             </a:fld>
             <a:endParaRPr lang="zh-CN" altLang="en-US"/>
           </a:p>
@@ -678,7 +880,7 @@
           <a:p>
             <a:fld id="{0A981E15-196A-4E96-A74A-B0A63E132823}" type="datetimeFigureOut">
               <a:rPr lang="zh-CN" altLang="en-US" smtClean="0"/>
-              <a:t>2023/12/28</a:t>
+              <a:t>2023/12/30</a:t>
             </a:fld>
             <a:endParaRPr lang="zh-CN" altLang="en-US"/>
           </a:p>
@@ -876,7 +1078,7 @@
           <a:p>
             <a:fld id="{0A981E15-196A-4E96-A74A-B0A63E132823}" type="datetimeFigureOut">
               <a:rPr lang="zh-CN" altLang="en-US" smtClean="0"/>
-              <a:t>2023/12/28</a:t>
+              <a:t>2023/12/30</a:t>
             </a:fld>
             <a:endParaRPr lang="zh-CN" altLang="en-US"/>
           </a:p>
@@ -1151,7 +1353,7 @@
           <a:p>
             <a:fld id="{0A981E15-196A-4E96-A74A-B0A63E132823}" type="datetimeFigureOut">
               <a:rPr lang="zh-CN" altLang="en-US" smtClean="0"/>
-              <a:t>2023/12/28</a:t>
+              <a:t>2023/12/30</a:t>
             </a:fld>
             <a:endParaRPr lang="zh-CN" altLang="en-US"/>
           </a:p>
@@ -1416,7 +1618,7 @@
           <a:p>
             <a:fld id="{0A981E15-196A-4E96-A74A-B0A63E132823}" type="datetimeFigureOut">
               <a:rPr lang="zh-CN" altLang="en-US" smtClean="0"/>
-              <a:t>2023/12/28</a:t>
+              <a:t>2023/12/30</a:t>
             </a:fld>
             <a:endParaRPr lang="zh-CN" altLang="en-US"/>
           </a:p>
@@ -1828,7 +2030,7 @@
           <a:p>
             <a:fld id="{0A981E15-196A-4E96-A74A-B0A63E132823}" type="datetimeFigureOut">
               <a:rPr lang="zh-CN" altLang="en-US" smtClean="0"/>
-              <a:t>2023/12/28</a:t>
+              <a:t>2023/12/30</a:t>
             </a:fld>
             <a:endParaRPr lang="zh-CN" altLang="en-US"/>
           </a:p>
@@ -1969,7 +2171,7 @@
           <a:p>
             <a:fld id="{0A981E15-196A-4E96-A74A-B0A63E132823}" type="datetimeFigureOut">
               <a:rPr lang="zh-CN" altLang="en-US" smtClean="0"/>
-              <a:t>2023/12/28</a:t>
+              <a:t>2023/12/30</a:t>
             </a:fld>
             <a:endParaRPr lang="zh-CN" altLang="en-US"/>
           </a:p>
@@ -2082,7 +2284,7 @@
           <a:p>
             <a:fld id="{0A981E15-196A-4E96-A74A-B0A63E132823}" type="datetimeFigureOut">
               <a:rPr lang="zh-CN" altLang="en-US" smtClean="0"/>
-              <a:t>2023/12/28</a:t>
+              <a:t>2023/12/30</a:t>
             </a:fld>
             <a:endParaRPr lang="zh-CN" altLang="en-US"/>
           </a:p>
@@ -2393,7 +2595,7 @@
           <a:p>
             <a:fld id="{0A981E15-196A-4E96-A74A-B0A63E132823}" type="datetimeFigureOut">
               <a:rPr lang="zh-CN" altLang="en-US" smtClean="0"/>
-              <a:t>2023/12/28</a:t>
+              <a:t>2023/12/30</a:t>
             </a:fld>
             <a:endParaRPr lang="zh-CN" altLang="en-US"/>
           </a:p>
@@ -2681,7 +2883,7 @@
           <a:p>
             <a:fld id="{0A981E15-196A-4E96-A74A-B0A63E132823}" type="datetimeFigureOut">
               <a:rPr lang="zh-CN" altLang="en-US" smtClean="0"/>
-              <a:t>2023/12/28</a:t>
+              <a:t>2023/12/30</a:t>
             </a:fld>
             <a:endParaRPr lang="zh-CN" altLang="en-US"/>
           </a:p>
@@ -2922,7 +3124,7 @@
           <a:p>
             <a:fld id="{0A981E15-196A-4E96-A74A-B0A63E132823}" type="datetimeFigureOut">
               <a:rPr lang="zh-CN" altLang="en-US" smtClean="0"/>
-              <a:t>2023/12/28</a:t>
+              <a:t>2023/12/30</a:t>
             </a:fld>
             <a:endParaRPr lang="zh-CN" altLang="en-US"/>
           </a:p>
@@ -3437,40 +3639,82 @@
           <a:chExt cx="0" cy="0"/>
         </a:xfrm>
       </p:grpSpPr>
-      <p:pic>
-        <p:nvPicPr>
-          <p:cNvPr id="7" name="图片 6">
-            <a:extLst>
-              <a:ext uri="{FF2B5EF4-FFF2-40B4-BE49-F238E27FC236}">
-                <a16:creationId xmlns:a16="http://schemas.microsoft.com/office/drawing/2014/main" id="{FDFD084B-0473-C7BC-A68E-60DAA381401E}"/>
-              </a:ext>
-            </a:extLst>
-          </p:cNvPr>
-          <p:cNvPicPr>
-            <a:picLocks noChangeAspect="1"/>
-          </p:cNvPicPr>
+      <p:sp>
+        <p:nvSpPr>
+          <p:cNvPr id="6" name="文本框 5">
+            <a:extLst>
+              <a:ext uri="{FF2B5EF4-FFF2-40B4-BE49-F238E27FC236}">
+                <a16:creationId xmlns:a16="http://schemas.microsoft.com/office/drawing/2014/main" id="{32175250-6275-3FBD-4C30-F113E4B1AB3A}"/>
+              </a:ext>
+            </a:extLst>
+          </p:cNvPr>
+          <p:cNvSpPr txBox="1"/>
           <p:nvPr/>
-        </p:nvPicPr>
-        <p:blipFill>
-          <a:blip r:embed="rId2"/>
-          <a:stretch>
-            <a:fillRect/>
-          </a:stretch>
-        </p:blipFill>
+        </p:nvSpPr>
         <p:spPr>
           <a:xfrm>
-            <a:off x="2755395" y="0"/>
-            <a:ext cx="6681209" cy="6858000"/>
+            <a:off x="2398854" y="2379919"/>
+            <a:ext cx="6094070" cy="923330"/>
           </a:xfrm>
           <a:prstGeom prst="rect">
             <a:avLst/>
           </a:prstGeom>
+          <a:noFill/>
         </p:spPr>
-      </p:pic>
+        <p:txBody>
+          <a:bodyPr wrap="square">
+            <a:spAutoFit/>
+          </a:bodyPr>
+          <a:lstStyle/>
+          <a:p>
+            <a:r>
+              <a:rPr lang="en-US" altLang="zh-CN" dirty="0"/>
+              <a:t>Given the Order data and Trade data, compute the lowest transaction price level K of each recorded market order using HDFS and MapReduce.</a:t>
+            </a:r>
+            <a:endParaRPr lang="zh-CN" altLang="en-US" dirty="0"/>
+          </a:p>
+        </p:txBody>
+      </p:sp>
+      <p:sp>
+        <p:nvSpPr>
+          <p:cNvPr id="9" name="文本框 8">
+            <a:extLst>
+              <a:ext uri="{FF2B5EF4-FFF2-40B4-BE49-F238E27FC236}">
+                <a16:creationId xmlns:a16="http://schemas.microsoft.com/office/drawing/2014/main" id="{AB95670A-0690-0F66-E147-9DEAFAEB084E}"/>
+              </a:ext>
+            </a:extLst>
+          </p:cNvPr>
+          <p:cNvSpPr txBox="1"/>
+          <p:nvPr/>
+        </p:nvSpPr>
+        <p:spPr>
+          <a:xfrm>
+            <a:off x="486137" y="821803"/>
+            <a:ext cx="2206053" cy="369332"/>
+          </a:xfrm>
+          <a:prstGeom prst="rect">
+            <a:avLst/>
+          </a:prstGeom>
+          <a:noFill/>
+        </p:spPr>
+        <p:txBody>
+          <a:bodyPr wrap="none" rtlCol="0">
+            <a:spAutoFit/>
+          </a:bodyPr>
+          <a:lstStyle/>
+          <a:p>
+            <a:r>
+              <a:rPr lang="en-US" altLang="zh-CN" dirty="0"/>
+              <a:t>Problem Description</a:t>
+            </a:r>
+            <a:endParaRPr lang="zh-CN" altLang="en-US" dirty="0"/>
+          </a:p>
+        </p:txBody>
+      </p:sp>
     </p:spTree>
     <p:extLst>
       <p:ext uri="{BB962C8B-B14F-4D97-AF65-F5344CB8AC3E}">
-        <p14:creationId xmlns:p14="http://schemas.microsoft.com/office/powerpoint/2010/main" val="977700653"/>
+        <p14:creationId xmlns:p14="http://schemas.microsoft.com/office/powerpoint/2010/main" val="2403997977"/>
       </p:ext>
     </p:extLst>
   </p:cSld>
@@ -3499,6 +3743,1227 @@
       </p:grpSpPr>
       <p:sp>
         <p:nvSpPr>
+          <p:cNvPr id="4" name="文本框 3">
+            <a:extLst>
+              <a:ext uri="{FF2B5EF4-FFF2-40B4-BE49-F238E27FC236}">
+                <a16:creationId xmlns:a16="http://schemas.microsoft.com/office/drawing/2014/main" id="{91953FD3-40AC-5662-E883-BA211D86ED3E}"/>
+              </a:ext>
+            </a:extLst>
+          </p:cNvPr>
+          <p:cNvSpPr txBox="1"/>
+          <p:nvPr/>
+        </p:nvSpPr>
+        <p:spPr>
+          <a:xfrm>
+            <a:off x="775504" y="995423"/>
+            <a:ext cx="2263761" cy="369332"/>
+          </a:xfrm>
+          <a:prstGeom prst="rect">
+            <a:avLst/>
+          </a:prstGeom>
+          <a:noFill/>
+        </p:spPr>
+        <p:txBody>
+          <a:bodyPr wrap="none" rtlCol="0">
+            <a:spAutoFit/>
+          </a:bodyPr>
+          <a:lstStyle/>
+          <a:p>
+            <a:r>
+              <a:rPr lang="en-US" altLang="zh-CN" dirty="0"/>
+              <a:t>Task Comprehension</a:t>
+            </a:r>
+            <a:endParaRPr lang="zh-CN" altLang="en-US" dirty="0"/>
+          </a:p>
+        </p:txBody>
+      </p:sp>
+      <p:sp>
+        <p:nvSpPr>
+          <p:cNvPr id="5" name="文本框 4">
+            <a:extLst>
+              <a:ext uri="{FF2B5EF4-FFF2-40B4-BE49-F238E27FC236}">
+                <a16:creationId xmlns:a16="http://schemas.microsoft.com/office/drawing/2014/main" id="{CC7AFA06-CF98-6892-22D3-DE784606356C}"/>
+              </a:ext>
+            </a:extLst>
+          </p:cNvPr>
+          <p:cNvSpPr txBox="1"/>
+          <p:nvPr/>
+        </p:nvSpPr>
+        <p:spPr>
+          <a:xfrm>
+            <a:off x="3067291" y="2152891"/>
+            <a:ext cx="7755649" cy="369332"/>
+          </a:xfrm>
+          <a:prstGeom prst="rect">
+            <a:avLst/>
+          </a:prstGeom>
+          <a:noFill/>
+        </p:spPr>
+        <p:txBody>
+          <a:bodyPr wrap="none" rtlCol="0">
+            <a:spAutoFit/>
+          </a:bodyPr>
+          <a:lstStyle/>
+          <a:p>
+            <a:r>
+              <a:rPr lang="en-US" altLang="zh-CN" dirty="0"/>
+              <a:t>The key is to use the primary key `</a:t>
+            </a:r>
+            <a:r>
+              <a:rPr lang="en-US" altLang="zh-CN" dirty="0" err="1"/>
+              <a:t>ApplSeqNum</a:t>
+            </a:r>
+            <a:r>
+              <a:rPr lang="en-US" altLang="zh-CN" dirty="0"/>
+              <a:t>` to link the two part of data. </a:t>
+            </a:r>
+            <a:endParaRPr lang="zh-CN" altLang="en-US" dirty="0"/>
+          </a:p>
+        </p:txBody>
+      </p:sp>
+    </p:spTree>
+    <p:extLst>
+      <p:ext uri="{BB962C8B-B14F-4D97-AF65-F5344CB8AC3E}">
+        <p14:creationId xmlns:p14="http://schemas.microsoft.com/office/powerpoint/2010/main" val="3979561330"/>
+      </p:ext>
+    </p:extLst>
+  </p:cSld>
+  <p:clrMapOvr>
+    <a:masterClrMapping/>
+  </p:clrMapOvr>
+</p:sld>
+</file>
+
+<file path=ppt/slides/slide4.xml><?xml version="1.0" encoding="utf-8"?>
+<p:sld xmlns:a="http://schemas.openxmlformats.org/drawingml/2006/main" xmlns:r="http://schemas.openxmlformats.org/officeDocument/2006/relationships" xmlns:p="http://schemas.openxmlformats.org/presentationml/2006/main">
+  <p:cSld>
+    <p:spTree>
+      <p:nvGrpSpPr>
+        <p:cNvPr id="1" name=""/>
+        <p:cNvGrpSpPr/>
+        <p:nvPr/>
+      </p:nvGrpSpPr>
+      <p:grpSpPr>
+        <a:xfrm>
+          <a:off x="0" y="0"/>
+          <a:ext cx="0" cy="0"/>
+          <a:chOff x="0" y="0"/>
+          <a:chExt cx="0" cy="0"/>
+        </a:xfrm>
+      </p:grpSpPr>
+      <p:sp>
+        <p:nvSpPr>
+          <p:cNvPr id="4" name="文本框 3">
+            <a:extLst>
+              <a:ext uri="{FF2B5EF4-FFF2-40B4-BE49-F238E27FC236}">
+                <a16:creationId xmlns:a16="http://schemas.microsoft.com/office/drawing/2014/main" id="{464F37A0-9333-A0E5-8CA7-98413319BFE3}"/>
+              </a:ext>
+            </a:extLst>
+          </p:cNvPr>
+          <p:cNvSpPr txBox="1"/>
+          <p:nvPr/>
+        </p:nvSpPr>
+        <p:spPr>
+          <a:xfrm>
+            <a:off x="786581" y="766916"/>
+            <a:ext cx="1200970" cy="369332"/>
+          </a:xfrm>
+          <a:prstGeom prst="rect">
+            <a:avLst/>
+          </a:prstGeom>
+          <a:noFill/>
+        </p:spPr>
+        <p:txBody>
+          <a:bodyPr wrap="none" rtlCol="0">
+            <a:spAutoFit/>
+          </a:bodyPr>
+          <a:lstStyle/>
+          <a:p>
+            <a:r>
+              <a:rPr lang="en-US" altLang="zh-CN" dirty="0"/>
+              <a:t>Difficulties</a:t>
+            </a:r>
+            <a:endParaRPr lang="zh-CN" altLang="en-US" dirty="0"/>
+          </a:p>
+        </p:txBody>
+      </p:sp>
+      <p:sp>
+        <p:nvSpPr>
+          <p:cNvPr id="6" name="文本框 5">
+            <a:extLst>
+              <a:ext uri="{FF2B5EF4-FFF2-40B4-BE49-F238E27FC236}">
+                <a16:creationId xmlns:a16="http://schemas.microsoft.com/office/drawing/2014/main" id="{0446AB9C-F6C9-F4DC-4629-93F2F89A0157}"/>
+              </a:ext>
+            </a:extLst>
+          </p:cNvPr>
+          <p:cNvSpPr txBox="1"/>
+          <p:nvPr/>
+        </p:nvSpPr>
+        <p:spPr>
+          <a:xfrm>
+            <a:off x="1010756" y="2671752"/>
+            <a:ext cx="9687724" cy="1200329"/>
+          </a:xfrm>
+          <a:prstGeom prst="rect">
+            <a:avLst/>
+          </a:prstGeom>
+          <a:noFill/>
+        </p:spPr>
+        <p:txBody>
+          <a:bodyPr wrap="square" rtlCol="0">
+            <a:spAutoFit/>
+          </a:bodyPr>
+          <a:lstStyle/>
+          <a:p>
+            <a:r>
+              <a:rPr lang="en-US" altLang="zh-CN" dirty="0"/>
+              <a:t>1. In the reduce phase, how to select the records from Traded for counting and ignore others?</a:t>
+            </a:r>
+          </a:p>
+          <a:p>
+            <a:r>
+              <a:rPr lang="en-US" altLang="zh-CN" dirty="0"/>
+              <a:t>2. An order is released before 09:30 but traded in the continuous auction period. How to ignore these orders?</a:t>
+            </a:r>
+          </a:p>
+          <a:p>
+            <a:r>
+              <a:rPr lang="en-US" altLang="zh-CN" dirty="0"/>
+              <a:t>3. how to sort the transaction data first by `TIMESTAMP` and second by `</a:t>
+            </a:r>
+            <a:r>
+              <a:rPr lang="en-US" altLang="zh-CN" dirty="0" err="1"/>
+              <a:t>ApplSeqNum</a:t>
+            </a:r>
+            <a:r>
+              <a:rPr lang="en-US" altLang="zh-CN" dirty="0"/>
+              <a:t>`?</a:t>
+            </a:r>
+            <a:endParaRPr lang="zh-CN" altLang="en-US" dirty="0"/>
+          </a:p>
+        </p:txBody>
+      </p:sp>
+    </p:spTree>
+    <p:extLst>
+      <p:ext uri="{BB962C8B-B14F-4D97-AF65-F5344CB8AC3E}">
+        <p14:creationId xmlns:p14="http://schemas.microsoft.com/office/powerpoint/2010/main" val="2188985866"/>
+      </p:ext>
+    </p:extLst>
+  </p:cSld>
+  <p:clrMapOvr>
+    <a:masterClrMapping/>
+  </p:clrMapOvr>
+</p:sld>
+</file>
+
+<file path=ppt/slides/slide5.xml><?xml version="1.0" encoding="utf-8"?>
+<p:sld xmlns:a="http://schemas.openxmlformats.org/drawingml/2006/main" xmlns:r="http://schemas.openxmlformats.org/officeDocument/2006/relationships" xmlns:p="http://schemas.openxmlformats.org/presentationml/2006/main">
+  <p:cSld>
+    <p:spTree>
+      <p:nvGrpSpPr>
+        <p:cNvPr id="1" name=""/>
+        <p:cNvGrpSpPr/>
+        <p:nvPr/>
+      </p:nvGrpSpPr>
+      <p:grpSpPr>
+        <a:xfrm>
+          <a:off x="0" y="0"/>
+          <a:ext cx="0" cy="0"/>
+          <a:chOff x="0" y="0"/>
+          <a:chExt cx="0" cy="0"/>
+        </a:xfrm>
+      </p:grpSpPr>
+      <p:pic>
+        <p:nvPicPr>
+          <p:cNvPr id="7" name="图片 6">
+            <a:extLst>
+              <a:ext uri="{FF2B5EF4-FFF2-40B4-BE49-F238E27FC236}">
+                <a16:creationId xmlns:a16="http://schemas.microsoft.com/office/drawing/2014/main" id="{FDFD084B-0473-C7BC-A68E-60DAA381401E}"/>
+              </a:ext>
+            </a:extLst>
+          </p:cNvPr>
+          <p:cNvPicPr>
+            <a:picLocks noChangeAspect="1"/>
+          </p:cNvPicPr>
+          <p:nvPr/>
+        </p:nvPicPr>
+        <p:blipFill>
+          <a:blip r:embed="rId2"/>
+          <a:stretch>
+            <a:fillRect/>
+          </a:stretch>
+        </p:blipFill>
+        <p:spPr>
+          <a:xfrm>
+            <a:off x="3137671" y="285136"/>
+            <a:ext cx="5916657" cy="6073217"/>
+          </a:xfrm>
+          <a:prstGeom prst="rect">
+            <a:avLst/>
+          </a:prstGeom>
+        </p:spPr>
+      </p:pic>
+    </p:spTree>
+    <p:extLst>
+      <p:ext uri="{BB962C8B-B14F-4D97-AF65-F5344CB8AC3E}">
+        <p14:creationId xmlns:p14="http://schemas.microsoft.com/office/powerpoint/2010/main" val="977700653"/>
+      </p:ext>
+    </p:extLst>
+  </p:cSld>
+  <p:clrMapOvr>
+    <a:masterClrMapping/>
+  </p:clrMapOvr>
+</p:sld>
+</file>
+
+<file path=ppt/slides/slide6.xml><?xml version="1.0" encoding="utf-8"?>
+<p:sld xmlns:a="http://schemas.openxmlformats.org/drawingml/2006/main" xmlns:r="http://schemas.openxmlformats.org/officeDocument/2006/relationships" xmlns:p="http://schemas.openxmlformats.org/presentationml/2006/main">
+  <p:cSld>
+    <p:spTree>
+      <p:nvGrpSpPr>
+        <p:cNvPr id="1" name=""/>
+        <p:cNvGrpSpPr/>
+        <p:nvPr/>
+      </p:nvGrpSpPr>
+      <p:grpSpPr>
+        <a:xfrm>
+          <a:off x="0" y="0"/>
+          <a:ext cx="0" cy="0"/>
+          <a:chOff x="0" y="0"/>
+          <a:chExt cx="0" cy="0"/>
+        </a:xfrm>
+      </p:grpSpPr>
+      <p:sp>
+        <p:nvSpPr>
+          <p:cNvPr id="4" name="文本框 3">
+            <a:extLst>
+              <a:ext uri="{FF2B5EF4-FFF2-40B4-BE49-F238E27FC236}">
+                <a16:creationId xmlns:a16="http://schemas.microsoft.com/office/drawing/2014/main" id="{1A4696D6-8522-4417-AA67-A936277BF88D}"/>
+              </a:ext>
+            </a:extLst>
+          </p:cNvPr>
+          <p:cNvSpPr txBox="1"/>
+          <p:nvPr/>
+        </p:nvSpPr>
+        <p:spPr>
+          <a:xfrm>
+            <a:off x="491613" y="668593"/>
+            <a:ext cx="2513830" cy="369332"/>
+          </a:xfrm>
+          <a:prstGeom prst="rect">
+            <a:avLst/>
+          </a:prstGeom>
+          <a:noFill/>
+        </p:spPr>
+        <p:txBody>
+          <a:bodyPr wrap="none" rtlCol="0">
+            <a:spAutoFit/>
+          </a:bodyPr>
+          <a:lstStyle/>
+          <a:p>
+            <a:r>
+              <a:rPr lang="en-US" altLang="zh-CN" dirty="0"/>
+              <a:t>Solutions for Difficulties</a:t>
+            </a:r>
+            <a:endParaRPr lang="zh-CN" altLang="en-US" dirty="0"/>
+          </a:p>
+        </p:txBody>
+      </p:sp>
+      <p:sp>
+        <p:nvSpPr>
+          <p:cNvPr id="5" name="文本框 4">
+            <a:extLst>
+              <a:ext uri="{FF2B5EF4-FFF2-40B4-BE49-F238E27FC236}">
+                <a16:creationId xmlns:a16="http://schemas.microsoft.com/office/drawing/2014/main" id="{24C980DF-F962-79B0-23E8-5F5970E079D5}"/>
+              </a:ext>
+            </a:extLst>
+          </p:cNvPr>
+          <p:cNvSpPr txBox="1"/>
+          <p:nvPr/>
+        </p:nvSpPr>
+        <p:spPr>
+          <a:xfrm>
+            <a:off x="1022554" y="1858296"/>
+            <a:ext cx="5329085" cy="923330"/>
+          </a:xfrm>
+          <a:prstGeom prst="rect">
+            <a:avLst/>
+          </a:prstGeom>
+          <a:noFill/>
+        </p:spPr>
+        <p:txBody>
+          <a:bodyPr wrap="square" rtlCol="0">
+            <a:spAutoFit/>
+          </a:bodyPr>
+          <a:lstStyle/>
+          <a:p>
+            <a:r>
+              <a:rPr lang="en-US" altLang="zh-CN" dirty="0"/>
+              <a:t>1. In the reduce phase, how to select the records from Traded for counting and ignore others?</a:t>
+            </a:r>
+          </a:p>
+          <a:p>
+            <a:endParaRPr lang="zh-CN" altLang="en-US" dirty="0"/>
+          </a:p>
+        </p:txBody>
+      </p:sp>
+      <p:pic>
+        <p:nvPicPr>
+          <p:cNvPr id="7" name="图片 6">
+            <a:extLst>
+              <a:ext uri="{FF2B5EF4-FFF2-40B4-BE49-F238E27FC236}">
+                <a16:creationId xmlns:a16="http://schemas.microsoft.com/office/drawing/2014/main" id="{DA919282-1076-574B-F099-FF9A6CE8546E}"/>
+              </a:ext>
+            </a:extLst>
+          </p:cNvPr>
+          <p:cNvPicPr>
+            <a:picLocks noChangeAspect="1"/>
+          </p:cNvPicPr>
+          <p:nvPr/>
+        </p:nvPicPr>
+        <p:blipFill>
+          <a:blip r:embed="rId2"/>
+          <a:stretch>
+            <a:fillRect/>
+          </a:stretch>
+        </p:blipFill>
+        <p:spPr>
+          <a:xfrm>
+            <a:off x="6477852" y="668593"/>
+            <a:ext cx="5222535" cy="5360728"/>
+          </a:xfrm>
+          <a:prstGeom prst="rect">
+            <a:avLst/>
+          </a:prstGeom>
+        </p:spPr>
+      </p:pic>
+      <p:sp>
+        <p:nvSpPr>
+          <p:cNvPr id="8" name="文本框 7">
+            <a:extLst>
+              <a:ext uri="{FF2B5EF4-FFF2-40B4-BE49-F238E27FC236}">
+                <a16:creationId xmlns:a16="http://schemas.microsoft.com/office/drawing/2014/main" id="{86835962-6297-B6A5-81E0-FABCB32AD770}"/>
+              </a:ext>
+            </a:extLst>
+          </p:cNvPr>
+          <p:cNvSpPr txBox="1"/>
+          <p:nvPr/>
+        </p:nvSpPr>
+        <p:spPr>
+          <a:xfrm>
+            <a:off x="943897" y="3559277"/>
+            <a:ext cx="3871573" cy="369332"/>
+          </a:xfrm>
+          <a:prstGeom prst="rect">
+            <a:avLst/>
+          </a:prstGeom>
+          <a:noFill/>
+        </p:spPr>
+        <p:txBody>
+          <a:bodyPr wrap="none" rtlCol="0">
+            <a:spAutoFit/>
+          </a:bodyPr>
+          <a:lstStyle/>
+          <a:p>
+            <a:r>
+              <a:rPr lang="en-US" altLang="zh-CN" dirty="0"/>
+              <a:t>· 7 features or more? (8 or 9 features)</a:t>
+            </a:r>
+            <a:endParaRPr lang="zh-CN" altLang="en-US" dirty="0"/>
+          </a:p>
+        </p:txBody>
+      </p:sp>
+      <mc:AlternateContent xmlns:mc="http://schemas.openxmlformats.org/markup-compatibility/2006">
+        <mc:Choice xmlns:p14="http://schemas.microsoft.com/office/powerpoint/2010/main" Requires="p14">
+          <p:contentPart p14:bwMode="auto" r:id="rId3">
+            <p14:nvContentPartPr>
+              <p14:cNvPr id="11" name="墨迹 10">
+                <a:extLst>
+                  <a:ext uri="{FF2B5EF4-FFF2-40B4-BE49-F238E27FC236}">
+                    <a16:creationId xmlns:a16="http://schemas.microsoft.com/office/drawing/2014/main" id="{51C10389-DF99-CAAD-6D4F-12DE7005E909}"/>
+                  </a:ext>
+                </a:extLst>
+              </p14:cNvPr>
+              <p14:cNvContentPartPr/>
+              <p14:nvPr/>
+            </p14:nvContentPartPr>
+            <p14:xfrm>
+              <a:off x="8723256" y="2858832"/>
+              <a:ext cx="786240" cy="37440"/>
+            </p14:xfrm>
+          </p:contentPart>
+        </mc:Choice>
+        <mc:Fallback>
+          <p:pic>
+            <p:nvPicPr>
+              <p:cNvPr id="11" name="墨迹 10">
+                <a:extLst>
+                  <a:ext uri="{FF2B5EF4-FFF2-40B4-BE49-F238E27FC236}">
+                    <a16:creationId xmlns:a16="http://schemas.microsoft.com/office/drawing/2014/main" id="{51C10389-DF99-CAAD-6D4F-12DE7005E909}"/>
+                  </a:ext>
+                </a:extLst>
+              </p:cNvPr>
+              <p:cNvPicPr/>
+              <p:nvPr/>
+            </p:nvPicPr>
+            <p:blipFill>
+              <a:blip r:embed="rId4"/>
+              <a:stretch>
+                <a:fillRect/>
+              </a:stretch>
+            </p:blipFill>
+            <p:spPr>
+              <a:xfrm>
+                <a:off x="8717136" y="2852712"/>
+                <a:ext cx="798480" cy="49680"/>
+              </a:xfrm>
+              <a:prstGeom prst="rect">
+                <a:avLst/>
+              </a:prstGeom>
+            </p:spPr>
+          </p:pic>
+        </mc:Fallback>
+      </mc:AlternateContent>
+      <mc:AlternateContent xmlns:mc="http://schemas.openxmlformats.org/markup-compatibility/2006">
+        <mc:Choice xmlns:p14="http://schemas.microsoft.com/office/powerpoint/2010/main" Requires="p14">
+          <p:contentPart p14:bwMode="auto" r:id="rId5">
+            <p14:nvContentPartPr>
+              <p14:cNvPr id="12" name="墨迹 11">
+                <a:extLst>
+                  <a:ext uri="{FF2B5EF4-FFF2-40B4-BE49-F238E27FC236}">
+                    <a16:creationId xmlns:a16="http://schemas.microsoft.com/office/drawing/2014/main" id="{D467F656-BBD0-F8DA-2968-3546D2248A77}"/>
+                  </a:ext>
+                </a:extLst>
+              </p14:cNvPr>
+              <p14:cNvContentPartPr/>
+              <p14:nvPr/>
+            </p14:nvContentPartPr>
+            <p14:xfrm>
+              <a:off x="7632096" y="3230712"/>
+              <a:ext cx="738360" cy="54000"/>
+            </p14:xfrm>
+          </p:contentPart>
+        </mc:Choice>
+        <mc:Fallback>
+          <p:pic>
+            <p:nvPicPr>
+              <p:cNvPr id="12" name="墨迹 11">
+                <a:extLst>
+                  <a:ext uri="{FF2B5EF4-FFF2-40B4-BE49-F238E27FC236}">
+                    <a16:creationId xmlns:a16="http://schemas.microsoft.com/office/drawing/2014/main" id="{D467F656-BBD0-F8DA-2968-3546D2248A77}"/>
+                  </a:ext>
+                </a:extLst>
+              </p:cNvPr>
+              <p:cNvPicPr/>
+              <p:nvPr/>
+            </p:nvPicPr>
+            <p:blipFill>
+              <a:blip r:embed="rId6"/>
+              <a:stretch>
+                <a:fillRect/>
+              </a:stretch>
+            </p:blipFill>
+            <p:spPr>
+              <a:xfrm>
+                <a:off x="7625976" y="3224592"/>
+                <a:ext cx="750600" cy="66240"/>
+              </a:xfrm>
+              <a:prstGeom prst="rect">
+                <a:avLst/>
+              </a:prstGeom>
+            </p:spPr>
+          </p:pic>
+        </mc:Fallback>
+      </mc:AlternateContent>
+      <mc:AlternateContent xmlns:mc="http://schemas.openxmlformats.org/markup-compatibility/2006">
+        <mc:Choice xmlns:p14="http://schemas.microsoft.com/office/powerpoint/2010/main" Requires="p14">
+          <p:contentPart p14:bwMode="auto" r:id="rId7">
+            <p14:nvContentPartPr>
+              <p14:cNvPr id="13" name="墨迹 12">
+                <a:extLst>
+                  <a:ext uri="{FF2B5EF4-FFF2-40B4-BE49-F238E27FC236}">
+                    <a16:creationId xmlns:a16="http://schemas.microsoft.com/office/drawing/2014/main" id="{5E48E7CC-D5FC-392F-BF09-2271D99790A0}"/>
+                  </a:ext>
+                </a:extLst>
+              </p14:cNvPr>
+              <p14:cNvContentPartPr/>
+              <p14:nvPr/>
+            </p14:nvContentPartPr>
+            <p14:xfrm>
+              <a:off x="10734936" y="3291552"/>
+              <a:ext cx="615600" cy="37800"/>
+            </p14:xfrm>
+          </p:contentPart>
+        </mc:Choice>
+        <mc:Fallback>
+          <p:pic>
+            <p:nvPicPr>
+              <p:cNvPr id="13" name="墨迹 12">
+                <a:extLst>
+                  <a:ext uri="{FF2B5EF4-FFF2-40B4-BE49-F238E27FC236}">
+                    <a16:creationId xmlns:a16="http://schemas.microsoft.com/office/drawing/2014/main" id="{5E48E7CC-D5FC-392F-BF09-2271D99790A0}"/>
+                  </a:ext>
+                </a:extLst>
+              </p:cNvPr>
+              <p:cNvPicPr/>
+              <p:nvPr/>
+            </p:nvPicPr>
+            <p:blipFill>
+              <a:blip r:embed="rId8"/>
+              <a:stretch>
+                <a:fillRect/>
+              </a:stretch>
+            </p:blipFill>
+            <p:spPr>
+              <a:xfrm>
+                <a:off x="10728816" y="3285432"/>
+                <a:ext cx="627840" cy="50040"/>
+              </a:xfrm>
+              <a:prstGeom prst="rect">
+                <a:avLst/>
+              </a:prstGeom>
+            </p:spPr>
+          </p:pic>
+        </mc:Fallback>
+      </mc:AlternateContent>
+    </p:spTree>
+    <p:extLst>
+      <p:ext uri="{BB962C8B-B14F-4D97-AF65-F5344CB8AC3E}">
+        <p14:creationId xmlns:p14="http://schemas.microsoft.com/office/powerpoint/2010/main" val="4097032782"/>
+      </p:ext>
+    </p:extLst>
+  </p:cSld>
+  <p:clrMapOvr>
+    <a:masterClrMapping/>
+  </p:clrMapOvr>
+</p:sld>
+</file>
+
+<file path=ppt/slides/slide7.xml><?xml version="1.0" encoding="utf-8"?>
+<p:sld xmlns:a="http://schemas.openxmlformats.org/drawingml/2006/main" xmlns:r="http://schemas.openxmlformats.org/officeDocument/2006/relationships" xmlns:p="http://schemas.openxmlformats.org/presentationml/2006/main">
+  <p:cSld>
+    <p:spTree>
+      <p:nvGrpSpPr>
+        <p:cNvPr id="1" name=""/>
+        <p:cNvGrpSpPr/>
+        <p:nvPr/>
+      </p:nvGrpSpPr>
+      <p:grpSpPr>
+        <a:xfrm>
+          <a:off x="0" y="0"/>
+          <a:ext cx="0" cy="0"/>
+          <a:chOff x="0" y="0"/>
+          <a:chExt cx="0" cy="0"/>
+        </a:xfrm>
+      </p:grpSpPr>
+      <p:sp>
+        <p:nvSpPr>
+          <p:cNvPr id="4" name="文本框 3">
+            <a:extLst>
+              <a:ext uri="{FF2B5EF4-FFF2-40B4-BE49-F238E27FC236}">
+                <a16:creationId xmlns:a16="http://schemas.microsoft.com/office/drawing/2014/main" id="{1A4696D6-8522-4417-AA67-A936277BF88D}"/>
+              </a:ext>
+            </a:extLst>
+          </p:cNvPr>
+          <p:cNvSpPr txBox="1"/>
+          <p:nvPr/>
+        </p:nvSpPr>
+        <p:spPr>
+          <a:xfrm>
+            <a:off x="491613" y="668593"/>
+            <a:ext cx="2513830" cy="369332"/>
+          </a:xfrm>
+          <a:prstGeom prst="rect">
+            <a:avLst/>
+          </a:prstGeom>
+          <a:noFill/>
+        </p:spPr>
+        <p:txBody>
+          <a:bodyPr wrap="none" rtlCol="0">
+            <a:spAutoFit/>
+          </a:bodyPr>
+          <a:lstStyle/>
+          <a:p>
+            <a:r>
+              <a:rPr lang="en-US" altLang="zh-CN" dirty="0"/>
+              <a:t>Solutions for Difficulties</a:t>
+            </a:r>
+            <a:endParaRPr lang="zh-CN" altLang="en-US" dirty="0"/>
+          </a:p>
+        </p:txBody>
+      </p:sp>
+      <p:sp>
+        <p:nvSpPr>
+          <p:cNvPr id="5" name="文本框 4">
+            <a:extLst>
+              <a:ext uri="{FF2B5EF4-FFF2-40B4-BE49-F238E27FC236}">
+                <a16:creationId xmlns:a16="http://schemas.microsoft.com/office/drawing/2014/main" id="{24C980DF-F962-79B0-23E8-5F5970E079D5}"/>
+              </a:ext>
+            </a:extLst>
+          </p:cNvPr>
+          <p:cNvSpPr txBox="1"/>
+          <p:nvPr/>
+        </p:nvSpPr>
+        <p:spPr>
+          <a:xfrm>
+            <a:off x="1022554" y="1858296"/>
+            <a:ext cx="5329085" cy="923330"/>
+          </a:xfrm>
+          <a:prstGeom prst="rect">
+            <a:avLst/>
+          </a:prstGeom>
+          <a:noFill/>
+        </p:spPr>
+        <p:txBody>
+          <a:bodyPr wrap="square" rtlCol="0">
+            <a:spAutoFit/>
+          </a:bodyPr>
+          <a:lstStyle/>
+          <a:p>
+            <a:r>
+              <a:rPr lang="en-US" altLang="zh-CN" dirty="0"/>
+              <a:t>2. An order is released before 09:30 but traded in the continuous auction period. How to ignore these orders?</a:t>
+            </a:r>
+          </a:p>
+        </p:txBody>
+      </p:sp>
+      <p:pic>
+        <p:nvPicPr>
+          <p:cNvPr id="7" name="图片 6">
+            <a:extLst>
+              <a:ext uri="{FF2B5EF4-FFF2-40B4-BE49-F238E27FC236}">
+                <a16:creationId xmlns:a16="http://schemas.microsoft.com/office/drawing/2014/main" id="{DA919282-1076-574B-F099-FF9A6CE8546E}"/>
+              </a:ext>
+            </a:extLst>
+          </p:cNvPr>
+          <p:cNvPicPr>
+            <a:picLocks noChangeAspect="1"/>
+          </p:cNvPicPr>
+          <p:nvPr/>
+        </p:nvPicPr>
+        <p:blipFill>
+          <a:blip r:embed="rId2"/>
+          <a:stretch>
+            <a:fillRect/>
+          </a:stretch>
+        </p:blipFill>
+        <p:spPr>
+          <a:xfrm>
+            <a:off x="6477852" y="668593"/>
+            <a:ext cx="5222535" cy="5360728"/>
+          </a:xfrm>
+          <a:prstGeom prst="rect">
+            <a:avLst/>
+          </a:prstGeom>
+        </p:spPr>
+      </p:pic>
+      <p:sp>
+        <p:nvSpPr>
+          <p:cNvPr id="8" name="文本框 7">
+            <a:extLst>
+              <a:ext uri="{FF2B5EF4-FFF2-40B4-BE49-F238E27FC236}">
+                <a16:creationId xmlns:a16="http://schemas.microsoft.com/office/drawing/2014/main" id="{86835962-6297-B6A5-81E0-FABCB32AD770}"/>
+              </a:ext>
+            </a:extLst>
+          </p:cNvPr>
+          <p:cNvSpPr txBox="1"/>
+          <p:nvPr/>
+        </p:nvSpPr>
+        <p:spPr>
+          <a:xfrm>
+            <a:off x="943897" y="3559277"/>
+            <a:ext cx="5900974" cy="646331"/>
+          </a:xfrm>
+          <a:prstGeom prst="rect">
+            <a:avLst/>
+          </a:prstGeom>
+          <a:noFill/>
+        </p:spPr>
+        <p:txBody>
+          <a:bodyPr wrap="none" rtlCol="0">
+            <a:spAutoFit/>
+          </a:bodyPr>
+          <a:lstStyle/>
+          <a:p>
+            <a:r>
+              <a:rPr lang="en-US" altLang="zh-CN" dirty="0"/>
+              <a:t>· &lt;</a:t>
+            </a:r>
+            <a:r>
+              <a:rPr lang="en-US" altLang="zh-CN" dirty="0" err="1"/>
+              <a:t>ApplSeqNum</a:t>
+            </a:r>
+            <a:r>
+              <a:rPr lang="en-US" altLang="zh-CN" dirty="0"/>
+              <a:t>, … </a:t>
+            </a:r>
+            <a:r>
+              <a:rPr lang="en-US" altLang="zh-CN" b="1" dirty="0"/>
+              <a:t>1</a:t>
+            </a:r>
+            <a:r>
+              <a:rPr lang="en-US" altLang="zh-CN" dirty="0"/>
+              <a:t>&gt; and &lt;Bid/</a:t>
+            </a:r>
+            <a:r>
+              <a:rPr lang="en-US" altLang="zh-CN" dirty="0" err="1"/>
+              <a:t>OfferApplSeqNum</a:t>
+            </a:r>
+            <a:r>
+              <a:rPr lang="en-US" altLang="zh-CN" dirty="0"/>
+              <a:t>, … </a:t>
+            </a:r>
+            <a:r>
+              <a:rPr lang="en-US" altLang="zh-CN" b="1" dirty="0"/>
+              <a:t>2</a:t>
+            </a:r>
+            <a:r>
+              <a:rPr lang="en-US" altLang="zh-CN" dirty="0"/>
+              <a:t>&gt;</a:t>
+            </a:r>
+          </a:p>
+          <a:p>
+            <a:r>
+              <a:rPr lang="en-US" altLang="zh-CN" dirty="0"/>
+              <a:t>· Check whether an order has the former.</a:t>
+            </a:r>
+            <a:endParaRPr lang="zh-CN" altLang="en-US" dirty="0"/>
+          </a:p>
+        </p:txBody>
+      </p:sp>
+      <mc:AlternateContent xmlns:mc="http://schemas.openxmlformats.org/markup-compatibility/2006">
+        <mc:Choice xmlns:p14="http://schemas.microsoft.com/office/powerpoint/2010/main" Requires="p14">
+          <p:contentPart p14:bwMode="auto" r:id="rId3">
+            <p14:nvContentPartPr>
+              <p14:cNvPr id="2" name="墨迹 1">
+                <a:extLst>
+                  <a:ext uri="{FF2B5EF4-FFF2-40B4-BE49-F238E27FC236}">
+                    <a16:creationId xmlns:a16="http://schemas.microsoft.com/office/drawing/2014/main" id="{3CC68807-520E-9246-CA58-40F787E5D214}"/>
+                  </a:ext>
+                </a:extLst>
+              </p14:cNvPr>
+              <p14:cNvContentPartPr/>
+              <p14:nvPr/>
+            </p14:nvContentPartPr>
+            <p14:xfrm>
+              <a:off x="10294080" y="2452680"/>
+              <a:ext cx="1544400" cy="451440"/>
+            </p14:xfrm>
+          </p:contentPart>
+        </mc:Choice>
+        <mc:Fallback>
+          <p:pic>
+            <p:nvPicPr>
+              <p:cNvPr id="2" name="墨迹 1">
+                <a:extLst>
+                  <a:ext uri="{FF2B5EF4-FFF2-40B4-BE49-F238E27FC236}">
+                    <a16:creationId xmlns:a16="http://schemas.microsoft.com/office/drawing/2014/main" id="{3CC68807-520E-9246-CA58-40F787E5D214}"/>
+                  </a:ext>
+                </a:extLst>
+              </p:cNvPr>
+              <p:cNvPicPr/>
+              <p:nvPr/>
+            </p:nvPicPr>
+            <p:blipFill>
+              <a:blip r:embed="rId4"/>
+              <a:stretch>
+                <a:fillRect/>
+              </a:stretch>
+            </p:blipFill>
+            <p:spPr>
+              <a:xfrm>
+                <a:off x="10287960" y="2446560"/>
+                <a:ext cx="1556640" cy="463680"/>
+              </a:xfrm>
+              <a:prstGeom prst="rect">
+                <a:avLst/>
+              </a:prstGeom>
+            </p:spPr>
+          </p:pic>
+        </mc:Fallback>
+      </mc:AlternateContent>
+      <mc:AlternateContent xmlns:mc="http://schemas.openxmlformats.org/markup-compatibility/2006">
+        <mc:Choice xmlns:p14="http://schemas.microsoft.com/office/powerpoint/2010/main" Requires="p14">
+          <p:contentPart p14:bwMode="auto" r:id="rId5">
+            <p14:nvContentPartPr>
+              <p14:cNvPr id="3" name="墨迹 2">
+                <a:extLst>
+                  <a:ext uri="{FF2B5EF4-FFF2-40B4-BE49-F238E27FC236}">
+                    <a16:creationId xmlns:a16="http://schemas.microsoft.com/office/drawing/2014/main" id="{857DEC60-AC25-E62E-1F4F-3684509A9B5B}"/>
+                  </a:ext>
+                </a:extLst>
+              </p14:cNvPr>
+              <p14:cNvContentPartPr/>
+              <p14:nvPr/>
+            </p14:nvContentPartPr>
+            <p14:xfrm>
+              <a:off x="6447120" y="2383560"/>
+              <a:ext cx="2012760" cy="658440"/>
+            </p14:xfrm>
+          </p:contentPart>
+        </mc:Choice>
+        <mc:Fallback>
+          <p:pic>
+            <p:nvPicPr>
+              <p:cNvPr id="3" name="墨迹 2">
+                <a:extLst>
+                  <a:ext uri="{FF2B5EF4-FFF2-40B4-BE49-F238E27FC236}">
+                    <a16:creationId xmlns:a16="http://schemas.microsoft.com/office/drawing/2014/main" id="{857DEC60-AC25-E62E-1F4F-3684509A9B5B}"/>
+                  </a:ext>
+                </a:extLst>
+              </p:cNvPr>
+              <p:cNvPicPr/>
+              <p:nvPr/>
+            </p:nvPicPr>
+            <p:blipFill>
+              <a:blip r:embed="rId6"/>
+              <a:stretch>
+                <a:fillRect/>
+              </a:stretch>
+            </p:blipFill>
+            <p:spPr>
+              <a:xfrm>
+                <a:off x="6441000" y="2377440"/>
+                <a:ext cx="2025000" cy="670680"/>
+              </a:xfrm>
+              <a:prstGeom prst="rect">
+                <a:avLst/>
+              </a:prstGeom>
+            </p:spPr>
+          </p:pic>
+        </mc:Fallback>
+      </mc:AlternateContent>
+    </p:spTree>
+    <p:extLst>
+      <p:ext uri="{BB962C8B-B14F-4D97-AF65-F5344CB8AC3E}">
+        <p14:creationId xmlns:p14="http://schemas.microsoft.com/office/powerpoint/2010/main" val="1980715697"/>
+      </p:ext>
+    </p:extLst>
+  </p:cSld>
+  <p:clrMapOvr>
+    <a:masterClrMapping/>
+  </p:clrMapOvr>
+</p:sld>
+</file>
+
+<file path=ppt/slides/slide8.xml><?xml version="1.0" encoding="utf-8"?>
+<p:sld xmlns:a="http://schemas.openxmlformats.org/drawingml/2006/main" xmlns:r="http://schemas.openxmlformats.org/officeDocument/2006/relationships" xmlns:p="http://schemas.openxmlformats.org/presentationml/2006/main">
+  <p:cSld>
+    <p:spTree>
+      <p:nvGrpSpPr>
+        <p:cNvPr id="1" name=""/>
+        <p:cNvGrpSpPr/>
+        <p:nvPr/>
+      </p:nvGrpSpPr>
+      <p:grpSpPr>
+        <a:xfrm>
+          <a:off x="0" y="0"/>
+          <a:ext cx="0" cy="0"/>
+          <a:chOff x="0" y="0"/>
+          <a:chExt cx="0" cy="0"/>
+        </a:xfrm>
+      </p:grpSpPr>
+      <p:sp>
+        <p:nvSpPr>
+          <p:cNvPr id="4" name="文本框 3">
+            <a:extLst>
+              <a:ext uri="{FF2B5EF4-FFF2-40B4-BE49-F238E27FC236}">
+                <a16:creationId xmlns:a16="http://schemas.microsoft.com/office/drawing/2014/main" id="{1A4696D6-8522-4417-AA67-A936277BF88D}"/>
+              </a:ext>
+            </a:extLst>
+          </p:cNvPr>
+          <p:cNvSpPr txBox="1"/>
+          <p:nvPr/>
+        </p:nvSpPr>
+        <p:spPr>
+          <a:xfrm>
+            <a:off x="491613" y="668593"/>
+            <a:ext cx="2513830" cy="369332"/>
+          </a:xfrm>
+          <a:prstGeom prst="rect">
+            <a:avLst/>
+          </a:prstGeom>
+          <a:noFill/>
+        </p:spPr>
+        <p:txBody>
+          <a:bodyPr wrap="none" rtlCol="0">
+            <a:spAutoFit/>
+          </a:bodyPr>
+          <a:lstStyle/>
+          <a:p>
+            <a:r>
+              <a:rPr lang="en-US" altLang="zh-CN" dirty="0"/>
+              <a:t>Solutions for Difficulties</a:t>
+            </a:r>
+            <a:endParaRPr lang="zh-CN" altLang="en-US" dirty="0"/>
+          </a:p>
+        </p:txBody>
+      </p:sp>
+      <p:sp>
+        <p:nvSpPr>
+          <p:cNvPr id="5" name="文本框 4">
+            <a:extLst>
+              <a:ext uri="{FF2B5EF4-FFF2-40B4-BE49-F238E27FC236}">
+                <a16:creationId xmlns:a16="http://schemas.microsoft.com/office/drawing/2014/main" id="{24C980DF-F962-79B0-23E8-5F5970E079D5}"/>
+              </a:ext>
+            </a:extLst>
+          </p:cNvPr>
+          <p:cNvSpPr txBox="1"/>
+          <p:nvPr/>
+        </p:nvSpPr>
+        <p:spPr>
+          <a:xfrm>
+            <a:off x="1022554" y="1858296"/>
+            <a:ext cx="5329085" cy="923330"/>
+          </a:xfrm>
+          <a:prstGeom prst="rect">
+            <a:avLst/>
+          </a:prstGeom>
+          <a:noFill/>
+        </p:spPr>
+        <p:txBody>
+          <a:bodyPr wrap="square" rtlCol="0">
+            <a:spAutoFit/>
+          </a:bodyPr>
+          <a:lstStyle/>
+          <a:p>
+            <a:r>
+              <a:rPr lang="en-US" altLang="zh-CN" dirty="0"/>
+              <a:t>3. how to sort the transaction data first by `TIMESTAMP` and second by `</a:t>
+            </a:r>
+            <a:r>
+              <a:rPr lang="en-US" altLang="zh-CN" dirty="0" err="1"/>
+              <a:t>ApplSeqNum</a:t>
+            </a:r>
+            <a:r>
+              <a:rPr lang="en-US" altLang="zh-CN" dirty="0"/>
+              <a:t>`?</a:t>
+            </a:r>
+            <a:endParaRPr lang="zh-CN" altLang="en-US" dirty="0"/>
+          </a:p>
+          <a:p>
+            <a:endParaRPr lang="zh-CN" altLang="en-US" dirty="0"/>
+          </a:p>
+        </p:txBody>
+      </p:sp>
+      <p:pic>
+        <p:nvPicPr>
+          <p:cNvPr id="7" name="图片 6">
+            <a:extLst>
+              <a:ext uri="{FF2B5EF4-FFF2-40B4-BE49-F238E27FC236}">
+                <a16:creationId xmlns:a16="http://schemas.microsoft.com/office/drawing/2014/main" id="{DA919282-1076-574B-F099-FF9A6CE8546E}"/>
+              </a:ext>
+            </a:extLst>
+          </p:cNvPr>
+          <p:cNvPicPr>
+            <a:picLocks noChangeAspect="1"/>
+          </p:cNvPicPr>
+          <p:nvPr/>
+        </p:nvPicPr>
+        <p:blipFill>
+          <a:blip r:embed="rId2"/>
+          <a:stretch>
+            <a:fillRect/>
+          </a:stretch>
+        </p:blipFill>
+        <p:spPr>
+          <a:xfrm>
+            <a:off x="6477852" y="668593"/>
+            <a:ext cx="5222535" cy="5360728"/>
+          </a:xfrm>
+          <a:prstGeom prst="rect">
+            <a:avLst/>
+          </a:prstGeom>
+        </p:spPr>
+      </p:pic>
+      <p:sp>
+        <p:nvSpPr>
+          <p:cNvPr id="8" name="文本框 7">
+            <a:extLst>
+              <a:ext uri="{FF2B5EF4-FFF2-40B4-BE49-F238E27FC236}">
+                <a16:creationId xmlns:a16="http://schemas.microsoft.com/office/drawing/2014/main" id="{86835962-6297-B6A5-81E0-FABCB32AD770}"/>
+              </a:ext>
+            </a:extLst>
+          </p:cNvPr>
+          <p:cNvSpPr txBox="1"/>
+          <p:nvPr/>
+        </p:nvSpPr>
+        <p:spPr>
+          <a:xfrm>
+            <a:off x="943897" y="3559277"/>
+            <a:ext cx="4663456" cy="646331"/>
+          </a:xfrm>
+          <a:prstGeom prst="rect">
+            <a:avLst/>
+          </a:prstGeom>
+          <a:noFill/>
+        </p:spPr>
+        <p:txBody>
+          <a:bodyPr wrap="none" rtlCol="0">
+            <a:spAutoFit/>
+          </a:bodyPr>
+          <a:lstStyle/>
+          <a:p>
+            <a:r>
+              <a:rPr lang="en-US" altLang="zh-CN" dirty="0"/>
+              <a:t>· Time order: TIMESTAMP as key</a:t>
+            </a:r>
+          </a:p>
+          <a:p>
+            <a:r>
+              <a:rPr lang="en-US" altLang="zh-CN" dirty="0"/>
+              <a:t>· </a:t>
+            </a:r>
+            <a:r>
+              <a:rPr lang="en-US" altLang="zh-CN" dirty="0" err="1"/>
+              <a:t>ApplSeqNum</a:t>
+            </a:r>
+            <a:r>
+              <a:rPr lang="en-US" altLang="zh-CN" dirty="0"/>
+              <a:t> order: sort in </a:t>
+            </a:r>
+            <a:r>
+              <a:rPr lang="en-US" altLang="zh-CN" dirty="0" err="1"/>
+              <a:t>OutputReducer</a:t>
+            </a:r>
+            <a:endParaRPr lang="zh-CN" altLang="en-US" dirty="0"/>
+          </a:p>
+        </p:txBody>
+      </p:sp>
+      <mc:AlternateContent xmlns:mc="http://schemas.openxmlformats.org/markup-compatibility/2006">
+        <mc:Choice xmlns:p14="http://schemas.microsoft.com/office/powerpoint/2010/main" Requires="p14">
+          <p:contentPart p14:bwMode="auto" r:id="rId3">
+            <p14:nvContentPartPr>
+              <p14:cNvPr id="2" name="墨迹 1">
+                <a:extLst>
+                  <a:ext uri="{FF2B5EF4-FFF2-40B4-BE49-F238E27FC236}">
+                    <a16:creationId xmlns:a16="http://schemas.microsoft.com/office/drawing/2014/main" id="{4F65DC32-514C-8D6F-9F46-A7F4919E4E32}"/>
+                  </a:ext>
+                </a:extLst>
+              </p14:cNvPr>
+              <p14:cNvContentPartPr/>
+              <p14:nvPr/>
+            </p14:nvContentPartPr>
+            <p14:xfrm>
+              <a:off x="8701587" y="4807421"/>
+              <a:ext cx="1179000" cy="40320"/>
+            </p14:xfrm>
+          </p:contentPart>
+        </mc:Choice>
+        <mc:Fallback>
+          <p:pic>
+            <p:nvPicPr>
+              <p:cNvPr id="2" name="墨迹 1">
+                <a:extLst>
+                  <a:ext uri="{FF2B5EF4-FFF2-40B4-BE49-F238E27FC236}">
+                    <a16:creationId xmlns:a16="http://schemas.microsoft.com/office/drawing/2014/main" id="{4F65DC32-514C-8D6F-9F46-A7F4919E4E32}"/>
+                  </a:ext>
+                </a:extLst>
+              </p:cNvPr>
+              <p:cNvPicPr/>
+              <p:nvPr/>
+            </p:nvPicPr>
+            <p:blipFill>
+              <a:blip r:embed="rId4"/>
+              <a:stretch>
+                <a:fillRect/>
+              </a:stretch>
+            </p:blipFill>
+            <p:spPr>
+              <a:xfrm>
+                <a:off x="8695467" y="4801301"/>
+                <a:ext cx="1191240" cy="52560"/>
+              </a:xfrm>
+              <a:prstGeom prst="rect">
+                <a:avLst/>
+              </a:prstGeom>
+            </p:spPr>
+          </p:pic>
+        </mc:Fallback>
+      </mc:AlternateContent>
+      <mc:AlternateContent xmlns:mc="http://schemas.openxmlformats.org/markup-compatibility/2006">
+        <mc:Choice xmlns:p14="http://schemas.microsoft.com/office/powerpoint/2010/main" Requires="p14">
+          <p:contentPart p14:bwMode="auto" r:id="rId5">
+            <p14:nvContentPartPr>
+              <p14:cNvPr id="3" name="墨迹 2">
+                <a:extLst>
+                  <a:ext uri="{FF2B5EF4-FFF2-40B4-BE49-F238E27FC236}">
+                    <a16:creationId xmlns:a16="http://schemas.microsoft.com/office/drawing/2014/main" id="{87AC73C6-2581-9416-EB33-AAE3096BFDCD}"/>
+                  </a:ext>
+                </a:extLst>
+              </p14:cNvPr>
+              <p14:cNvContentPartPr/>
+              <p14:nvPr/>
+            </p14:nvContentPartPr>
+            <p14:xfrm>
+              <a:off x="10117467" y="5249861"/>
+              <a:ext cx="854280" cy="50040"/>
+            </p14:xfrm>
+          </p:contentPart>
+        </mc:Choice>
+        <mc:Fallback>
+          <p:pic>
+            <p:nvPicPr>
+              <p:cNvPr id="3" name="墨迹 2">
+                <a:extLst>
+                  <a:ext uri="{FF2B5EF4-FFF2-40B4-BE49-F238E27FC236}">
+                    <a16:creationId xmlns:a16="http://schemas.microsoft.com/office/drawing/2014/main" id="{87AC73C6-2581-9416-EB33-AAE3096BFDCD}"/>
+                  </a:ext>
+                </a:extLst>
+              </p:cNvPr>
+              <p:cNvPicPr/>
+              <p:nvPr/>
+            </p:nvPicPr>
+            <p:blipFill>
+              <a:blip r:embed="rId6"/>
+              <a:stretch>
+                <a:fillRect/>
+              </a:stretch>
+            </p:blipFill>
+            <p:spPr>
+              <a:xfrm>
+                <a:off x="10111347" y="5243741"/>
+                <a:ext cx="866520" cy="62280"/>
+              </a:xfrm>
+              <a:prstGeom prst="rect">
+                <a:avLst/>
+              </a:prstGeom>
+            </p:spPr>
+          </p:pic>
+        </mc:Fallback>
+      </mc:AlternateContent>
+    </p:spTree>
+    <p:extLst>
+      <p:ext uri="{BB962C8B-B14F-4D97-AF65-F5344CB8AC3E}">
+        <p14:creationId xmlns:p14="http://schemas.microsoft.com/office/powerpoint/2010/main" val="1328008746"/>
+      </p:ext>
+    </p:extLst>
+  </p:cSld>
+  <p:clrMapOvr>
+    <a:masterClrMapping/>
+  </p:clrMapOvr>
+</p:sld>
+</file>
+
+<file path=ppt/slides/slide9.xml><?xml version="1.0" encoding="utf-8"?>
+<p:sld xmlns:a="http://schemas.openxmlformats.org/drawingml/2006/main" xmlns:r="http://schemas.openxmlformats.org/officeDocument/2006/relationships" xmlns:p="http://schemas.openxmlformats.org/presentationml/2006/main">
+  <p:cSld>
+    <p:spTree>
+      <p:nvGrpSpPr>
+        <p:cNvPr id="1" name=""/>
+        <p:cNvGrpSpPr/>
+        <p:nvPr/>
+      </p:nvGrpSpPr>
+      <p:grpSpPr>
+        <a:xfrm>
+          <a:off x="0" y="0"/>
+          <a:ext cx="0" cy="0"/>
+          <a:chOff x="0" y="0"/>
+          <a:chExt cx="0" cy="0"/>
+        </a:xfrm>
+      </p:grpSpPr>
+      <p:sp>
+        <p:nvSpPr>
           <p:cNvPr id="2" name="标题 1">
             <a:extLst>
               <a:ext uri="{FF2B5EF4-FFF2-40B4-BE49-F238E27FC236}">
@@ -3513,41 +4978,29 @@
             <p:ph type="ctrTitle"/>
           </p:nvPr>
         </p:nvSpPr>
-        <p:spPr/>
-        <p:txBody>
-          <a:bodyPr/>
-          <a:lstStyle/>
-          <a:p>
-            <a:r>
-              <a:rPr lang="en-US" altLang="zh-CN" b="1" dirty="0"/>
-              <a:t>-THANKS-</a:t>
-            </a:r>
-            <a:endParaRPr lang="zh-CN" altLang="en-US" b="1" dirty="0"/>
-          </a:p>
-        </p:txBody>
-      </p:sp>
-      <p:sp>
-        <p:nvSpPr>
-          <p:cNvPr id="3" name="副标题 2">
-            <a:extLst>
-              <a:ext uri="{FF2B5EF4-FFF2-40B4-BE49-F238E27FC236}">
-                <a16:creationId xmlns:a16="http://schemas.microsoft.com/office/drawing/2014/main" id="{B3CC9F4A-393C-26DF-4BE3-0876174CB700}"/>
-              </a:ext>
-            </a:extLst>
-          </p:cNvPr>
-          <p:cNvSpPr>
-            <a:spLocks noGrp="1"/>
-          </p:cNvSpPr>
-          <p:nvPr>
-            <p:ph type="subTitle" idx="1"/>
-          </p:nvPr>
-        </p:nvSpPr>
-        <p:spPr/>
-        <p:txBody>
-          <a:bodyPr/>
-          <a:lstStyle/>
-          <a:p>
-            <a:endParaRPr lang="zh-CN" altLang="en-US" dirty="0"/>
+        <p:spPr>
+          <a:xfrm>
+            <a:off x="1425677" y="1525485"/>
+            <a:ext cx="9144000" cy="2387600"/>
+          </a:xfrm>
+        </p:spPr>
+        <p:txBody>
+          <a:bodyPr>
+            <a:normAutofit/>
+          </a:bodyPr>
+          <a:lstStyle/>
+          <a:p>
+            <a:r>
+              <a:rPr lang="en-US" altLang="zh-CN" sz="9600" dirty="0">
+                <a:latin typeface="Times New Roman" panose="02020603050405020304" pitchFamily="18" charset="0"/>
+                <a:cs typeface="Times New Roman" panose="02020603050405020304" pitchFamily="18" charset="0"/>
+              </a:rPr>
+              <a:t>THANKS</a:t>
+            </a:r>
+            <a:endParaRPr lang="zh-CN" altLang="en-US" sz="9600" dirty="0">
+              <a:latin typeface="Times New Roman" panose="02020603050405020304" pitchFamily="18" charset="0"/>
+              <a:cs typeface="Times New Roman" panose="02020603050405020304" pitchFamily="18" charset="0"/>
+            </a:endParaRPr>
           </a:p>
         </p:txBody>
       </p:sp>
